--- a/hyramatools/src/image/Design.pptx
+++ b/hyramatools/src/image/Design.pptx
@@ -104,6 +104,11 @@
       </a:defRPr>
     </a:lvl9pPr>
   </p:defaultTextStyle>
+  <p:extLst>
+    <p:ext uri="{EFAFB233-063F-42B5-8137-9DF3F51BA10A}">
+      <p15:sldGuideLst xmlns:p15="http://schemas.microsoft.com/office/powerpoint/2012/main"/>
+    </p:ext>
+  </p:extLst>
 </p:presentation>
 </file>
 
@@ -3342,17 +3347,11 @@
             <a:avLst/>
           </a:prstGeom>
           <a:solidFill>
-            <a:schemeClr val="accent3">
-              <a:lumMod val="20000"/>
-              <a:lumOff val="80000"/>
-            </a:schemeClr>
+            <a:schemeClr val="bg1"/>
           </a:solidFill>
-          <a:ln>
+          <a:ln w="38100">
             <a:solidFill>
-              <a:schemeClr val="accent3">
-                <a:lumMod val="40000"/>
-                <a:lumOff val="60000"/>
-              </a:schemeClr>
+              <a:schemeClr val="tx1"/>
             </a:solidFill>
           </a:ln>
         </p:spPr>
@@ -3427,23 +3426,22 @@
               </a:ext>
             </a:extLst>
           </p:cNvPr>
-          <p:cNvCxnSpPr/>
+          <p:cNvCxnSpPr>
+            <a:cxnSpLocks/>
+          </p:cNvCxnSpPr>
           <p:nvPr/>
         </p:nvCxnSpPr>
         <p:spPr>
           <a:xfrm>
-            <a:off x="2969703" y="511728"/>
-            <a:ext cx="0" cy="285226"/>
+            <a:off x="2969703" y="524427"/>
+            <a:ext cx="0" cy="273334"/>
           </a:xfrm>
           <a:prstGeom prst="line">
             <a:avLst/>
           </a:prstGeom>
-          <a:ln w="12700">
+          <a:ln w="38100">
             <a:solidFill>
-              <a:schemeClr val="accent3">
-                <a:lumMod val="40000"/>
-                <a:lumOff val="60000"/>
-              </a:schemeClr>
+              <a:schemeClr val="tx1"/>
             </a:solidFill>
           </a:ln>
         </p:spPr>
@@ -3478,18 +3476,15 @@
         </p:nvCxnSpPr>
         <p:spPr>
           <a:xfrm flipH="1">
-            <a:off x="2969704" y="794586"/>
-            <a:ext cx="268448" cy="0"/>
+            <a:off x="2958589" y="778711"/>
+            <a:ext cx="268449" cy="0"/>
           </a:xfrm>
           <a:prstGeom prst="line">
             <a:avLst/>
           </a:prstGeom>
-          <a:ln w="12700">
+          <a:ln w="38100">
             <a:solidFill>
-              <a:schemeClr val="accent3">
-                <a:lumMod val="40000"/>
-                <a:lumOff val="60000"/>
-              </a:schemeClr>
+              <a:schemeClr val="tx1"/>
             </a:solidFill>
           </a:ln>
         </p:spPr>
